--- a/translations/en-us/advanced/SyncBeams.pptx
+++ b/translations/en-us/advanced/SyncBeams.pptx
@@ -221,7 +221,7 @@
           <a:p>
             <a:fld id="{E354B44E-40A3-0E46-B16A-9BF1250A248B}" type="datetimeFigureOut">
               <a:rPr lang="en-US" smtClean="0"/>
-              <a:t>11/15/15</a:t>
+              <a:t>7/19/16</a:t>
             </a:fld>
             <a:endParaRPr lang="en-US"/>
           </a:p>
@@ -387,7 +387,7 @@
           <a:p>
             <a:fld id="{C86AD16C-2DB4-6642-BAD4-9ED973A087A0}" type="datetimeFigureOut">
               <a:rPr lang="en-US" smtClean="0"/>
-              <a:t>11/15/15</a:t>
+              <a:t>7/19/16</a:t>
             </a:fld>
             <a:endParaRPr lang="en-US"/>
           </a:p>
@@ -721,6 +721,90 @@
           <a:p>
             <a:fld id="{1E5BF589-3978-3C45-966B-D7B7A71F2A02}" type="slidenum">
               <a:rPr lang="en-US" smtClean="0"/>
+              <a:t>1</a:t>
+            </a:fld>
+            <a:endParaRPr lang="en-US"/>
+          </a:p>
+        </p:txBody>
+      </p:sp>
+    </p:spTree>
+    <p:extLst>
+      <p:ext uri="{BB962C8B-B14F-4D97-AF65-F5344CB8AC3E}">
+        <p14:creationId xmlns:p14="http://schemas.microsoft.com/office/powerpoint/2010/main" val="1880426217"/>
+      </p:ext>
+    </p:extLst>
+  </p:cSld>
+  <p:clrMapOvr>
+    <a:masterClrMapping/>
+  </p:clrMapOvr>
+</p:notes>
+</file>
+
+<file path=ppt/notesSlides/notesSlide2.xml><?xml version="1.0" encoding="utf-8"?>
+<p:notes xmlns:a="http://schemas.openxmlformats.org/drawingml/2006/main" xmlns:r="http://schemas.openxmlformats.org/officeDocument/2006/relationships" xmlns:p="http://schemas.openxmlformats.org/presentationml/2006/main">
+  <p:cSld>
+    <p:spTree>
+      <p:nvGrpSpPr>
+        <p:cNvPr id="1" name=""/>
+        <p:cNvGrpSpPr/>
+        <p:nvPr/>
+      </p:nvGrpSpPr>
+      <p:grpSpPr>
+        <a:xfrm>
+          <a:off x="0" y="0"/>
+          <a:ext cx="0" cy="0"/>
+          <a:chOff x="0" y="0"/>
+          <a:chExt cx="0" cy="0"/>
+        </a:xfrm>
+      </p:grpSpPr>
+      <p:sp>
+        <p:nvSpPr>
+          <p:cNvPr id="2" name="Slide Image Placeholder 1"/>
+          <p:cNvSpPr>
+            <a:spLocks noGrp="1" noRot="1" noChangeAspect="1"/>
+          </p:cNvSpPr>
+          <p:nvPr>
+            <p:ph type="sldImg"/>
+          </p:nvPr>
+        </p:nvSpPr>
+        <p:spPr/>
+      </p:sp>
+      <p:sp>
+        <p:nvSpPr>
+          <p:cNvPr id="3" name="Notes Placeholder 2"/>
+          <p:cNvSpPr>
+            <a:spLocks noGrp="1"/>
+          </p:cNvSpPr>
+          <p:nvPr>
+            <p:ph type="body" idx="1"/>
+          </p:nvPr>
+        </p:nvSpPr>
+        <p:spPr/>
+        <p:txBody>
+          <a:bodyPr/>
+          <a:lstStyle/>
+          <a:p>
+            <a:endParaRPr lang="en-US"/>
+          </a:p>
+        </p:txBody>
+      </p:sp>
+      <p:sp>
+        <p:nvSpPr>
+          <p:cNvPr id="4" name="Slide Number Placeholder 3"/>
+          <p:cNvSpPr>
+            <a:spLocks noGrp="1"/>
+          </p:cNvSpPr>
+          <p:nvPr>
+            <p:ph type="sldNum" sz="quarter" idx="10"/>
+          </p:nvPr>
+        </p:nvSpPr>
+        <p:spPr/>
+        <p:txBody>
+          <a:bodyPr/>
+          <a:lstStyle/>
+          <a:p>
+            <a:fld id="{1E5BF589-3978-3C45-966B-D7B7A71F2A02}" type="slidenum">
+              <a:rPr lang="en-US" smtClean="0"/>
               <a:t>11</a:t>
             </a:fld>
             <a:endParaRPr lang="en-US"/>
@@ -772,9 +856,9 @@
           <a:bodyPr/>
           <a:lstStyle/>
           <a:p>
-            <a:fld id="{79A27739-151B-D346-B713-F9BE93463708}" type="datetime1">
-              <a:rPr lang="en-US" smtClean="0"/>
-              <a:t>11/15/15</a:t>
+            <a:fld id="{33E55C67-43BE-F94B-B20F-5323523A578E}" type="datetime1">
+              <a:rPr lang="en-US" smtClean="0"/>
+              <a:t>7/19/16</a:t>
             </a:fld>
             <a:endParaRPr lang="en-US"/>
           </a:p>
@@ -796,8 +880,8 @@
           <a:lstStyle/>
           <a:p>
             <a:r>
-              <a:rPr lang="en-US" smtClean="0"/>
-              <a:t>© 2015 EV3Lessons.com, Last edit 4/9/2015</a:t>
+              <a:rPr lang="sk-SK" smtClean="0"/>
+              <a:t>© 2016 EV3Lessons.com, Last edit 7/19/2016</a:t>
             </a:r>
             <a:endParaRPr lang="en-US"/>
           </a:p>
@@ -1325,7 +1409,7 @@
           <a:noFill/>
           <a:extLst>
             <a:ext uri="{909E8E84-426E-40dd-AFC4-6F175D3DCCD1}">
-              <a14:hiddenFill xmlns="" xmlns:a14="http://schemas.microsoft.com/office/drawing/2010/main">
+              <a14:hiddenFill xmlns:a14="http://schemas.microsoft.com/office/drawing/2010/main" xmlns="">
                 <a:solidFill>
                   <a:srgbClr val="FFFFFF"/>
                 </a:solidFill>
@@ -1369,288 +1453,6 @@
           </a:fontRef>
         </p:style>
       </p:cxnSp>
-      <p:pic>
-        <p:nvPicPr>
-          <p:cNvPr id="12" name="Picture 11"/>
-          <p:cNvPicPr>
-            <a:picLocks noChangeAspect="1"/>
-          </p:cNvPicPr>
-          <p:nvPr/>
-        </p:nvPicPr>
-        <p:blipFill>
-          <a:blip r:embed="rId3">
-            <a:extLst>
-              <a:ext uri="{28A0092B-C50C-407E-A947-70E740481C1C}">
-                <a14:useLocalDpi xmlns:a14="http://schemas.microsoft.com/office/drawing/2010/main" val="0"/>
-              </a:ext>
-            </a:extLst>
-          </a:blip>
-          <a:stretch>
-            <a:fillRect/>
-          </a:stretch>
-        </p:blipFill>
-        <p:spPr>
-          <a:xfrm>
-            <a:off x="284163" y="4948514"/>
-            <a:ext cx="1265237" cy="1210410"/>
-          </a:xfrm>
-          <a:prstGeom prst="rect">
-            <a:avLst/>
-          </a:prstGeom>
-        </p:spPr>
-      </p:pic>
-      <p:sp>
-        <p:nvSpPr>
-          <p:cNvPr id="18" name="Subtitle 3"/>
-          <p:cNvSpPr txBox="1">
-            <a:spLocks/>
-          </p:cNvSpPr>
-          <p:nvPr/>
-        </p:nvSpPr>
-        <p:spPr>
-          <a:xfrm>
-            <a:off x="1549400" y="5829838"/>
-            <a:ext cx="3749229" cy="484094"/>
-          </a:xfrm>
-          <a:prstGeom prst="rect">
-            <a:avLst/>
-          </a:prstGeom>
-        </p:spPr>
-        <p:txBody>
-          <a:bodyPr vert="horz" lIns="91440" tIns="45720" rIns="91440" bIns="45720" rtlCol="0">
-            <a:normAutofit/>
-          </a:bodyPr>
-          <a:lstStyle>
-            <a:lvl1pPr marL="0" indent="0" algn="l" defTabSz="914400" rtl="0" eaLnBrk="1" latinLnBrk="0" hangingPunct="1">
-              <a:lnSpc>
-                <a:spcPct val="100000"/>
-              </a:lnSpc>
-              <a:spcBef>
-                <a:spcPts val="0"/>
-              </a:spcBef>
-              <a:buClr>
-                <a:schemeClr val="bg1">
-                  <a:lumMod val="65000"/>
-                </a:schemeClr>
-              </a:buClr>
-              <a:buSzPct val="90000"/>
-              <a:buFont typeface="Wingdings" pitchFamily="2" charset="2"/>
-              <a:buNone/>
-              <a:defRPr sz="1800" kern="1200">
-                <a:solidFill>
-                  <a:schemeClr val="bg1"/>
-                </a:solidFill>
-                <a:latin typeface="+mn-lt"/>
-                <a:ea typeface="+mn-ea"/>
-                <a:cs typeface="+mn-cs"/>
-              </a:defRPr>
-            </a:lvl1pPr>
-            <a:lvl2pPr marL="457200" indent="0" algn="ctr" defTabSz="914400" rtl="0" eaLnBrk="1" latinLnBrk="0" hangingPunct="1">
-              <a:spcBef>
-                <a:spcPts val="600"/>
-              </a:spcBef>
-              <a:buClr>
-                <a:schemeClr val="tx1">
-                  <a:lumMod val="75000"/>
-                  <a:lumOff val="25000"/>
-                </a:schemeClr>
-              </a:buClr>
-              <a:buSzPct val="90000"/>
-              <a:buFont typeface="Wingdings" pitchFamily="2" charset="2"/>
-              <a:buNone/>
-              <a:defRPr sz="2200" kern="1200">
-                <a:solidFill>
-                  <a:schemeClr val="tx1">
-                    <a:tint val="75000"/>
-                  </a:schemeClr>
-                </a:solidFill>
-                <a:latin typeface="+mn-lt"/>
-                <a:ea typeface="+mn-ea"/>
-                <a:cs typeface="+mn-cs"/>
-              </a:defRPr>
-            </a:lvl2pPr>
-            <a:lvl3pPr marL="914400" indent="0" algn="ctr" defTabSz="914400" rtl="0" eaLnBrk="1" latinLnBrk="0" hangingPunct="1">
-              <a:spcBef>
-                <a:spcPts val="600"/>
-              </a:spcBef>
-              <a:buClr>
-                <a:schemeClr val="bg1">
-                  <a:lumMod val="65000"/>
-                </a:schemeClr>
-              </a:buClr>
-              <a:buSzPct val="90000"/>
-              <a:buFont typeface="Wingdings" pitchFamily="2" charset="2"/>
-              <a:buNone/>
-              <a:defRPr sz="2000" kern="1200">
-                <a:solidFill>
-                  <a:schemeClr val="tx1">
-                    <a:tint val="75000"/>
-                  </a:schemeClr>
-                </a:solidFill>
-                <a:latin typeface="+mn-lt"/>
-                <a:ea typeface="+mn-ea"/>
-                <a:cs typeface="+mn-cs"/>
-              </a:defRPr>
-            </a:lvl3pPr>
-            <a:lvl4pPr marL="1371600" indent="0" algn="ctr" defTabSz="914400" rtl="0" eaLnBrk="1" latinLnBrk="0" hangingPunct="1">
-              <a:spcBef>
-                <a:spcPts val="600"/>
-              </a:spcBef>
-              <a:buClr>
-                <a:schemeClr val="tx1">
-                  <a:lumMod val="75000"/>
-                  <a:lumOff val="25000"/>
-                </a:schemeClr>
-              </a:buClr>
-              <a:buSzPct val="90000"/>
-              <a:buFont typeface="Wingdings" pitchFamily="2" charset="2"/>
-              <a:buNone/>
-              <a:defRPr sz="1800" kern="1200">
-                <a:solidFill>
-                  <a:schemeClr val="tx1">
-                    <a:tint val="75000"/>
-                  </a:schemeClr>
-                </a:solidFill>
-                <a:latin typeface="+mn-lt"/>
-                <a:ea typeface="+mn-ea"/>
-                <a:cs typeface="+mn-cs"/>
-              </a:defRPr>
-            </a:lvl4pPr>
-            <a:lvl5pPr marL="1828800" indent="0" algn="ctr" defTabSz="914400" rtl="0" eaLnBrk="1" latinLnBrk="0" hangingPunct="1">
-              <a:spcBef>
-                <a:spcPts val="600"/>
-              </a:spcBef>
-              <a:buClr>
-                <a:schemeClr val="bg1">
-                  <a:lumMod val="65000"/>
-                </a:schemeClr>
-              </a:buClr>
-              <a:buSzPct val="90000"/>
-              <a:buFont typeface="Wingdings" pitchFamily="2" charset="2"/>
-              <a:buNone/>
-              <a:defRPr sz="1800" kern="1200">
-                <a:solidFill>
-                  <a:schemeClr val="tx1">
-                    <a:tint val="75000"/>
-                  </a:schemeClr>
-                </a:solidFill>
-                <a:latin typeface="+mn-lt"/>
-                <a:ea typeface="+mn-ea"/>
-                <a:cs typeface="+mn-cs"/>
-              </a:defRPr>
-            </a:lvl5pPr>
-            <a:lvl6pPr marL="2286000" indent="0" algn="ctr" defTabSz="914400" rtl="0" eaLnBrk="1" latinLnBrk="0" hangingPunct="1">
-              <a:spcBef>
-                <a:spcPts val="600"/>
-              </a:spcBef>
-              <a:buClr>
-                <a:schemeClr val="tx1">
-                  <a:lumMod val="75000"/>
-                  <a:lumOff val="25000"/>
-                </a:schemeClr>
-              </a:buClr>
-              <a:buSzPct val="90000"/>
-              <a:buFont typeface="Wingdings" pitchFamily="2" charset="2"/>
-              <a:buNone/>
-              <a:defRPr lang="en-US" sz="1800" kern="1200">
-                <a:solidFill>
-                  <a:schemeClr val="tx1">
-                    <a:tint val="75000"/>
-                  </a:schemeClr>
-                </a:solidFill>
-                <a:latin typeface="+mn-lt"/>
-                <a:ea typeface="+mn-ea"/>
-                <a:cs typeface="+mn-cs"/>
-              </a:defRPr>
-            </a:lvl6pPr>
-            <a:lvl7pPr marL="2743200" indent="0" algn="ctr" defTabSz="914400" rtl="0" eaLnBrk="1" latinLnBrk="0" hangingPunct="1">
-              <a:spcBef>
-                <a:spcPts val="600"/>
-              </a:spcBef>
-              <a:buClr>
-                <a:schemeClr val="bg1">
-                  <a:lumMod val="65000"/>
-                </a:schemeClr>
-              </a:buClr>
-              <a:buSzPct val="90000"/>
-              <a:buFont typeface="Wingdings" pitchFamily="2" charset="2"/>
-              <a:buNone/>
-              <a:defRPr lang="en-US" sz="1800" kern="1200">
-                <a:solidFill>
-                  <a:schemeClr val="tx1">
-                    <a:tint val="75000"/>
-                  </a:schemeClr>
-                </a:solidFill>
-                <a:latin typeface="+mn-lt"/>
-                <a:ea typeface="+mn-ea"/>
-                <a:cs typeface="+mn-cs"/>
-              </a:defRPr>
-            </a:lvl7pPr>
-            <a:lvl8pPr marL="3200400" indent="0" algn="ctr" defTabSz="914400" rtl="0" eaLnBrk="1" latinLnBrk="0" hangingPunct="1">
-              <a:spcBef>
-                <a:spcPts val="600"/>
-              </a:spcBef>
-              <a:buClr>
-                <a:schemeClr val="tx1">
-                  <a:lumMod val="75000"/>
-                  <a:lumOff val="25000"/>
-                </a:schemeClr>
-              </a:buClr>
-              <a:buSzPct val="90000"/>
-              <a:buFont typeface="Wingdings" pitchFamily="2" charset="2"/>
-              <a:buNone/>
-              <a:defRPr lang="en-US" sz="1800" kern="1200">
-                <a:solidFill>
-                  <a:schemeClr val="tx1">
-                    <a:tint val="75000"/>
-                  </a:schemeClr>
-                </a:solidFill>
-                <a:latin typeface="+mn-lt"/>
-                <a:ea typeface="+mn-ea"/>
-                <a:cs typeface="+mn-cs"/>
-              </a:defRPr>
-            </a:lvl8pPr>
-            <a:lvl9pPr marL="3657600" indent="0" algn="ctr" defTabSz="914400" rtl="0" eaLnBrk="1" latinLnBrk="0" hangingPunct="1">
-              <a:spcBef>
-                <a:spcPts val="600"/>
-              </a:spcBef>
-              <a:buClr>
-                <a:schemeClr val="bg1">
-                  <a:lumMod val="65000"/>
-                </a:schemeClr>
-              </a:buClr>
-              <a:buSzPct val="90000"/>
-              <a:buFont typeface="Wingdings" pitchFamily="2" charset="2"/>
-              <a:buNone/>
-              <a:defRPr lang="en-US" sz="1800" kern="1200">
-                <a:solidFill>
-                  <a:schemeClr val="tx1">
-                    <a:tint val="75000"/>
-                  </a:schemeClr>
-                </a:solidFill>
-                <a:latin typeface="+mn-lt"/>
-                <a:ea typeface="+mn-ea"/>
-                <a:cs typeface="+mn-cs"/>
-              </a:defRPr>
-            </a:lvl9pPr>
-          </a:lstStyle>
-          <a:p>
-            <a:r>
-              <a:rPr lang="en-US" dirty="0" smtClean="0">
-                <a:solidFill>
-                  <a:schemeClr val="tx1"/>
-                </a:solidFill>
-              </a:rPr>
-              <a:t>By Droids Robotics</a:t>
-            </a:r>
-            <a:endParaRPr lang="en-US" dirty="0">
-              <a:solidFill>
-                <a:schemeClr val="tx1"/>
-              </a:solidFill>
-            </a:endParaRPr>
-          </a:p>
-        </p:txBody>
-      </p:sp>
     </p:spTree>
     <p:extLst>
       <p:ext uri="{BB962C8B-B14F-4D97-AF65-F5344CB8AC3E}">
@@ -1759,9 +1561,9 @@
           <a:bodyPr/>
           <a:lstStyle/>
           <a:p>
-            <a:fld id="{8FC6ACCE-FA0B-6F4C-90C2-9946D1DB8FD8}" type="datetime1">
-              <a:rPr lang="en-US" smtClean="0"/>
-              <a:t>11/15/15</a:t>
+            <a:fld id="{04867700-01C3-2149-9AA1-358A4635B8D2}" type="datetime1">
+              <a:rPr lang="en-US" smtClean="0"/>
+              <a:t>7/19/16</a:t>
             </a:fld>
             <a:endParaRPr lang="en-US"/>
           </a:p>
@@ -1783,8 +1585,8 @@
           <a:lstStyle/>
           <a:p>
             <a:r>
-              <a:rPr lang="en-US" smtClean="0"/>
-              <a:t>© 2015 EV3Lessons.com, Last edit 4/9/2015</a:t>
+              <a:rPr lang="sk-SK" smtClean="0"/>
+              <a:t>© 2016 EV3Lessons.com, Last edit 7/19/2016</a:t>
             </a:r>
             <a:endParaRPr lang="en-US"/>
           </a:p>
@@ -2222,9 +2024,9 @@
           <a:bodyPr/>
           <a:lstStyle/>
           <a:p>
-            <a:fld id="{5F458818-5C58-504C-96C2-18D4B9EBA580}" type="datetime1">
-              <a:rPr lang="en-US" smtClean="0"/>
-              <a:t>11/15/15</a:t>
+            <a:fld id="{16712E8C-07C5-724F-97ED-456BE7D988EB}" type="datetime1">
+              <a:rPr lang="en-US" smtClean="0"/>
+              <a:t>7/19/16</a:t>
             </a:fld>
             <a:endParaRPr lang="en-US" dirty="0"/>
           </a:p>
@@ -2246,8 +2048,8 @@
           <a:lstStyle/>
           <a:p>
             <a:r>
-              <a:rPr lang="en-US" smtClean="0"/>
-              <a:t>© 2015 EV3Lessons.com, Last edit 4/9/2015</a:t>
+              <a:rPr lang="sk-SK" smtClean="0"/>
+              <a:t>© 2016 EV3Lessons.com, Last edit 7/19/2016</a:t>
             </a:r>
             <a:endParaRPr lang="en-US" dirty="0"/>
           </a:p>
@@ -2301,7 +2103,6 @@
       </p:par>
     </p:tnLst>
   </p:timing>
-  <p:hf hdr="0" dt="0"/>
 </p:sldLayout>
 </file>
 
@@ -2687,9 +2488,9 @@
           <a:bodyPr/>
           <a:lstStyle/>
           <a:p>
-            <a:fld id="{659959B3-57F9-7548-8139-6ECD6B121118}" type="datetime1">
-              <a:rPr lang="en-US" smtClean="0"/>
-              <a:t>11/15/15</a:t>
+            <a:fld id="{E6F6404A-2930-8A4F-BAA8-193B23FDECE9}" type="datetime1">
+              <a:rPr lang="en-US" smtClean="0"/>
+              <a:t>7/19/16</a:t>
             </a:fld>
             <a:endParaRPr lang="en-US"/>
           </a:p>
@@ -3412,9 +3213,9 @@
           <a:bodyPr/>
           <a:lstStyle/>
           <a:p>
-            <a:fld id="{896FED5C-D759-6E42-B05E-072BCFCA1FBC}" type="datetime1">
-              <a:rPr lang="en-US" smtClean="0"/>
-              <a:t>11/15/15</a:t>
+            <a:fld id="{E9FB5706-256A-A24D-8EB5-76F832B9EA37}" type="datetime1">
+              <a:rPr lang="en-US" smtClean="0"/>
+              <a:t>7/19/16</a:t>
             </a:fld>
             <a:endParaRPr lang="en-US"/>
           </a:p>
@@ -3436,8 +3237,8 @@
           <a:lstStyle/>
           <a:p>
             <a:r>
-              <a:rPr lang="en-US" smtClean="0"/>
-              <a:t>© 2015 EV3Lessons.com, Last edit 4/9/2015</a:t>
+              <a:rPr lang="sk-SK" smtClean="0"/>
+              <a:t>© 2016 EV3Lessons.com, Last edit 7/19/2016</a:t>
             </a:r>
             <a:endParaRPr lang="en-US"/>
           </a:p>
@@ -3694,9 +3495,9 @@
           <a:bodyPr/>
           <a:lstStyle/>
           <a:p>
-            <a:fld id="{A394C3B6-BD2D-B44D-8134-913F96550191}" type="datetime1">
-              <a:rPr lang="en-US" smtClean="0"/>
-              <a:t>11/15/15</a:t>
+            <a:fld id="{53032DFB-AEAA-1D4D-8AFF-15F10F1D049A}" type="datetime1">
+              <a:rPr lang="en-US" smtClean="0"/>
+              <a:t>7/19/16</a:t>
             </a:fld>
             <a:endParaRPr lang="en-US"/>
           </a:p>
@@ -3718,8 +3519,8 @@
           <a:lstStyle/>
           <a:p>
             <a:r>
-              <a:rPr lang="en-US" smtClean="0"/>
-              <a:t>© 2015 EV3Lessons.com, Last edit 4/9/2015</a:t>
+              <a:rPr lang="sk-SK" smtClean="0"/>
+              <a:t>© 2016 EV3Lessons.com, Last edit 7/19/2016</a:t>
             </a:r>
             <a:endParaRPr lang="en-US"/>
           </a:p>
@@ -4014,9 +3815,9 @@
           <a:bodyPr/>
           <a:lstStyle/>
           <a:p>
-            <a:fld id="{59BECB69-A21E-B645-918D-F4DE51F44A43}" type="datetime1">
-              <a:rPr lang="en-US" smtClean="0"/>
-              <a:t>11/15/15</a:t>
+            <a:fld id="{FB63174A-8FDA-1D42-8131-D43253927CBA}" type="datetime1">
+              <a:rPr lang="en-US" smtClean="0"/>
+              <a:t>7/19/16</a:t>
             </a:fld>
             <a:endParaRPr lang="en-US"/>
           </a:p>
@@ -4038,8 +3839,8 @@
           <a:lstStyle/>
           <a:p>
             <a:r>
-              <a:rPr lang="en-US" smtClean="0"/>
-              <a:t>© 2015 EV3Lessons.com, Last edit 4/9/2015</a:t>
+              <a:rPr lang="sk-SK" smtClean="0"/>
+              <a:t>© 2016 EV3Lessons.com, Last edit 7/19/2016</a:t>
             </a:r>
             <a:endParaRPr lang="en-US"/>
           </a:p>
@@ -4243,9 +4044,9 @@
           <a:bodyPr/>
           <a:lstStyle/>
           <a:p>
-            <a:fld id="{88F6D9D5-67B2-D241-AC86-521B4A5982B7}" type="datetime1">
-              <a:rPr lang="en-US" smtClean="0"/>
-              <a:t>11/15/15</a:t>
+            <a:fld id="{68F4AA8E-9656-904C-9F03-04A18AC7A1A4}" type="datetime1">
+              <a:rPr lang="en-US" smtClean="0"/>
+              <a:t>7/19/16</a:t>
             </a:fld>
             <a:endParaRPr lang="en-US"/>
           </a:p>
@@ -4267,8 +4068,8 @@
           <a:lstStyle/>
           <a:p>
             <a:r>
-              <a:rPr lang="en-US" smtClean="0"/>
-              <a:t>© 2015 EV3Lessons.com, Last edit 4/9/2015</a:t>
+              <a:rPr lang="sk-SK" smtClean="0"/>
+              <a:t>© 2016 EV3Lessons.com, Last edit 7/19/2016</a:t>
             </a:r>
             <a:endParaRPr lang="en-US"/>
           </a:p>
@@ -4530,9 +4331,9 @@
           <a:bodyPr/>
           <a:lstStyle/>
           <a:p>
-            <a:fld id="{5F458818-5C58-504C-96C2-18D4B9EBA580}" type="datetime1">
-              <a:rPr lang="en-US" smtClean="0"/>
-              <a:t>11/15/15</a:t>
+            <a:fld id="{19076666-A103-424F-A8AA-46AE83B54567}" type="datetime1">
+              <a:rPr lang="en-US" smtClean="0"/>
+              <a:t>7/19/16</a:t>
             </a:fld>
             <a:endParaRPr lang="en-US" dirty="0"/>
           </a:p>
@@ -4554,8 +4355,8 @@
           <a:lstStyle/>
           <a:p>
             <a:r>
-              <a:rPr lang="en-US" smtClean="0"/>
-              <a:t>© 2015 EV3Lessons.com, Last edit 4/9/2015</a:t>
+              <a:rPr lang="sk-SK" smtClean="0"/>
+              <a:t>© 2016 EV3Lessons.com, Last edit 7/19/2016</a:t>
             </a:r>
             <a:endParaRPr lang="en-US" dirty="0"/>
           </a:p>
@@ -4651,7 +4452,6 @@
   <p:clrMapOvr>
     <a:masterClrMapping/>
   </p:clrMapOvr>
-  <p:hf hdr="0" dt="0"/>
 </p:sldLayout>
 </file>
 
@@ -4775,9 +4575,9 @@
             </a:lvl1pPr>
           </a:lstStyle>
           <a:p>
-            <a:fld id="{5F458818-5C58-504C-96C2-18D4B9EBA580}" type="datetime1">
-              <a:rPr lang="en-US" smtClean="0"/>
-              <a:t>11/15/15</a:t>
+            <a:fld id="{279CBFAC-81A9-7643-974A-4C79FBAD7C8F}" type="datetime1">
+              <a:rPr lang="en-US" smtClean="0"/>
+              <a:t>7/19/16</a:t>
             </a:fld>
             <a:endParaRPr lang="en-US" dirty="0"/>
           </a:p>
@@ -4817,8 +4617,8 @@
           </a:lstStyle>
           <a:p>
             <a:r>
-              <a:rPr lang="en-US" smtClean="0"/>
-              <a:t>© 2015 EV3Lessons.com, Last edit 4/9/2015</a:t>
+              <a:rPr lang="sk-SK" smtClean="0"/>
+              <a:t>© 2016 EV3Lessons.com, Last edit 7/19/2016</a:t>
             </a:r>
             <a:endParaRPr lang="en-US" dirty="0"/>
           </a:p>
@@ -4930,7 +4730,7 @@
       </p:par>
     </p:tnLst>
   </p:timing>
-  <p:hf hdr="0" dt="0"/>
+  <p:hf sldNum="0" hdr="0" dt="0"/>
   <p:txStyles>
     <p:titleStyle>
       <a:lvl1pPr marL="231775" indent="3175" algn="l" defTabSz="914400" rtl="0" eaLnBrk="1" latinLnBrk="0" hangingPunct="1">
@@ -5325,10 +5125,47 @@
           <a:bodyPr/>
           <a:lstStyle/>
           <a:p>
-            <a:endParaRPr lang="en-US"/>
-          </a:p>
-        </p:txBody>
-      </p:sp>
+            <a:r>
+              <a:rPr lang="en-US" dirty="0" smtClean="0"/>
+              <a:t>By Sanjay and Arvind </a:t>
+            </a:r>
+            <a:r>
+              <a:rPr lang="en-US" dirty="0" err="1" smtClean="0"/>
+              <a:t>Seshan</a:t>
+            </a:r>
+            <a:endParaRPr lang="en-US" dirty="0"/>
+          </a:p>
+        </p:txBody>
+      </p:sp>
+      <p:pic>
+        <p:nvPicPr>
+          <p:cNvPr id="4" name="Picture 3"/>
+          <p:cNvPicPr>
+            <a:picLocks noChangeAspect="1"/>
+          </p:cNvPicPr>
+          <p:nvPr/>
+        </p:nvPicPr>
+        <p:blipFill rotWithShape="1">
+          <a:blip r:embed="rId3">
+            <a:extLst>
+              <a:ext uri="{28A0092B-C50C-407E-A947-70E740481C1C}">
+                <a14:useLocalDpi xmlns:a14="http://schemas.microsoft.com/office/drawing/2010/main" val="0"/>
+              </a:ext>
+            </a:extLst>
+          </a:blip>
+          <a:srcRect l="4523" t="17619" r="3095" b="25000"/>
+          <a:stretch/>
+        </p:blipFill>
+        <p:spPr>
+          <a:xfrm>
+            <a:off x="3459013" y="4560129"/>
+            <a:ext cx="2225974" cy="1382629"/>
+          </a:xfrm>
+          <a:prstGeom prst="rect">
+            <a:avLst/>
+          </a:prstGeom>
+        </p:spPr>
+      </p:pic>
     </p:spTree>
     <p:extLst>
       <p:ext uri="{BB962C8B-B14F-4D97-AF65-F5344CB8AC3E}">
@@ -5448,33 +5285,10 @@
           <a:lstStyle/>
           <a:p>
             <a:r>
-              <a:rPr lang="en-US" dirty="0" smtClean="0"/>
-              <a:t>© 2015 EV3Lessons.com, Last edit 4/9/2015</a:t>
+              <a:rPr lang="sk-SK" smtClean="0"/>
+              <a:t>© 2016 EV3Lessons.com, Last edit 7/19/2016</a:t>
             </a:r>
             <a:endParaRPr lang="en-US" dirty="0"/>
-          </a:p>
-        </p:txBody>
-      </p:sp>
-      <p:sp>
-        <p:nvSpPr>
-          <p:cNvPr id="5" name="Slide Number Placeholder 4"/>
-          <p:cNvSpPr>
-            <a:spLocks noGrp="1"/>
-          </p:cNvSpPr>
-          <p:nvPr>
-            <p:ph type="sldNum" sz="quarter" idx="12"/>
-          </p:nvPr>
-        </p:nvSpPr>
-        <p:spPr/>
-        <p:txBody>
-          <a:bodyPr/>
-          <a:lstStyle/>
-          <a:p>
-            <a:fld id="{4382A7F7-08BF-4252-8141-63FB96055BBB}" type="slidenum">
-              <a:rPr lang="en-US" smtClean="0"/>
-              <a:t>10</a:t>
-            </a:fld>
-            <a:endParaRPr lang="en-US"/>
           </a:p>
         </p:txBody>
       </p:sp>
@@ -5548,42 +5362,36 @@
           <a:p>
             <a:pPr lvl="1"/>
             <a:r>
-              <a:rPr lang="en-US" smtClean="0"/>
-              <a:t>This tutorial was created by Sanjay Seshan and Arvind Seshan from Droids Robotics (</a:t>
-            </a:r>
-            <a:r>
-              <a:rPr lang="en-US" smtClean="0">
-                <a:hlinkClick r:id="rId3"/>
-              </a:rPr>
-              <a:t>team@droidsrobotics.org</a:t>
-            </a:r>
-            <a:r>
-              <a:rPr lang="en-US" smtClean="0"/>
-              <a:t>).</a:t>
-            </a:r>
+              <a:rPr lang="en-US" dirty="0" smtClean="0"/>
+              <a:t>This tutorial was created by Sanjay </a:t>
+            </a:r>
+            <a:r>
+              <a:rPr lang="en-US" dirty="0" err="1" smtClean="0"/>
+              <a:t>Seshan</a:t>
+            </a:r>
+            <a:r>
+              <a:rPr lang="en-US" dirty="0" smtClean="0"/>
+              <a:t> and Arvind </a:t>
+            </a:r>
+            <a:r>
+              <a:rPr lang="en-US" dirty="0" err="1" smtClean="0"/>
+              <a:t>Seshan</a:t>
+            </a:r>
+            <a:r>
+              <a:rPr lang="en-US" smtClean="0"/>
+              <a:t> </a:t>
+            </a:r>
+            <a:endParaRPr lang="en-US" smtClean="0"/>
           </a:p>
           <a:p>
             <a:pPr lvl="1"/>
             <a:r>
               <a:rPr lang="en-US" smtClean="0"/>
-              <a:t>Original Gyro Turn code was provided by the Construction Mavericks (</a:t>
-            </a:r>
-            <a:r>
-              <a:rPr lang="en-US" smtClean="0">
-                <a:hlinkClick r:id="rId4"/>
-              </a:rPr>
-              <a:t>frank.levine@gmail.com</a:t>
-            </a:r>
-            <a:r>
-              <a:rPr lang="en-US" smtClean="0"/>
-              <a:t>)</a:t>
-            </a:r>
-          </a:p>
-          <a:p>
-            <a:pPr lvl="1"/>
-            <a:r>
-              <a:rPr lang="en-US" smtClean="0"/>
-              <a:t>More lessons at www.ev3lessons.com</a:t>
+              <a:t>More </a:t>
+            </a:r>
+            <a:r>
+              <a:rPr lang="en-US" dirty="0" smtClean="0"/>
+              <a:t>lessons at www.ev3lessons.com</a:t>
             </a:r>
             <a:endParaRPr lang="en-US" dirty="0"/>
           </a:p>
@@ -5605,33 +5413,9 @@
           <a:lstStyle/>
           <a:p>
             <a:r>
-              <a:rPr lang="en-US" smtClean="0"/>
-              <a:t>© 2015 EV3Lessons.com, Last edit 4/9/2015</a:t>
-            </a:r>
-            <a:endParaRPr lang="en-US"/>
-          </a:p>
-        </p:txBody>
-      </p:sp>
-      <p:sp>
-        <p:nvSpPr>
-          <p:cNvPr id="7" name="Slide Number Placeholder 6"/>
-          <p:cNvSpPr>
-            <a:spLocks noGrp="1"/>
-          </p:cNvSpPr>
-          <p:nvPr>
-            <p:ph type="sldNum" sz="quarter" idx="12"/>
-          </p:nvPr>
-        </p:nvSpPr>
-        <p:spPr/>
-        <p:txBody>
-          <a:bodyPr/>
-          <a:lstStyle/>
-          <a:p>
-            <a:fld id="{4382A7F7-08BF-4252-8141-63FB96055BBB}" type="slidenum">
-              <a:rPr lang="en-US" smtClean="0"/>
-              <a:pPr/>
-              <a:t>11</a:t>
-            </a:fld>
+              <a:rPr lang="sk-SK" smtClean="0"/>
+              <a:t>© 2016 EV3Lessons.com, Last edit 7/19/2016</a:t>
+            </a:r>
             <a:endParaRPr lang="en-US"/>
           </a:p>
         </p:txBody>
@@ -5684,7 +5468,7 @@
           <a:effectLst/>
           <a:extLst>
             <a:ext uri="{91240B29-F687-4f45-9708-019B960494DF}">
-              <a14:hiddenLine xmlns:a14="http://schemas.microsoft.com/office/drawing/2010/main" xmlns="" w="9525">
+              <a14:hiddenLine xmlns="" xmlns:a14="http://schemas.microsoft.com/office/drawing/2010/main" w="9525">
                 <a:solidFill>
                   <a:schemeClr val="tx1"/>
                 </a:solidFill>
@@ -5694,7 +5478,7 @@
               </a14:hiddenLine>
             </a:ext>
             <a:ext uri="{AF507438-7753-43e0-B8FC-AC1667EBCBE1}">
-              <a14:hiddenEffects xmlns:a14="http://schemas.microsoft.com/office/drawing/2010/main" xmlns="">
+              <a14:hiddenEffects xmlns="" xmlns:a14="http://schemas.microsoft.com/office/drawing/2010/main">
                 <a:effectLst>
                   <a:outerShdw dist="35921" dir="2700000" algn="ctr" rotWithShape="0">
                     <a:schemeClr val="bg2"/>
@@ -5915,7 +5699,7 @@
                 </a:solidFill>
                 <a:effectLst/>
                 <a:latin typeface="Helvetica Neue"/>
-                <a:hlinkClick r:id="rId5"/>
+                <a:hlinkClick r:id="rId3"/>
               </a:rPr>
               <a:t>Creative Commons Attribution-</a:t>
             </a:r>
@@ -5929,7 +5713,7 @@
                 </a:solidFill>
                 <a:effectLst/>
                 <a:latin typeface="Helvetica Neue"/>
-                <a:hlinkClick r:id="rId5"/>
+                <a:hlinkClick r:id="rId3"/>
               </a:rPr>
               <a:t>NonCommercial</a:t>
             </a:r>
@@ -5943,7 +5727,7 @@
                 </a:solidFill>
                 <a:effectLst/>
                 <a:latin typeface="Helvetica Neue"/>
-                <a:hlinkClick r:id="rId5"/>
+                <a:hlinkClick r:id="rId3"/>
               </a:rPr>
               <a:t>-</a:t>
             </a:r>
@@ -5957,7 +5741,7 @@
                 </a:solidFill>
                 <a:effectLst/>
                 <a:latin typeface="Helvetica Neue"/>
-                <a:hlinkClick r:id="rId5"/>
+                <a:hlinkClick r:id="rId3"/>
               </a:rPr>
               <a:t>ShareAlike</a:t>
             </a:r>
@@ -5971,7 +5755,7 @@
                 </a:solidFill>
                 <a:effectLst/>
                 <a:latin typeface="Helvetica Neue"/>
-                <a:hlinkClick r:id="rId5"/>
+                <a:hlinkClick r:id="rId3"/>
               </a:rPr>
               <a:t> 4.0 International License</a:t>
             </a:r>
@@ -6016,7 +5800,7 @@
       <p:pic>
         <p:nvPicPr>
           <p:cNvPr id="6" name="Picture 2" descr="Creative Commons License">
-            <a:hlinkClick r:id="rId5"/>
+            <a:hlinkClick r:id="rId3"/>
           </p:cNvPr>
           <p:cNvPicPr>
             <a:picLocks noChangeAspect="1" noChangeArrowheads="1"/>
@@ -6024,7 +5808,7 @@
           <p:nvPr/>
         </p:nvPicPr>
         <p:blipFill>
-          <a:blip r:embed="rId6">
+          <a:blip r:embed="rId4">
             <a:extLst>
               <a:ext uri="{28A0092B-C50C-407E-A947-70E740481C1C}">
                 <a14:useLocalDpi xmlns:a14="http://schemas.microsoft.com/office/drawing/2010/main" val="0"/>
@@ -6047,7 +5831,7 @@
           <a:noFill/>
           <a:extLst>
             <a:ext uri="{909E8E84-426E-40dd-AFC4-6F175D3DCCD1}">
-              <a14:hiddenFill xmlns:a14="http://schemas.microsoft.com/office/drawing/2010/main" xmlns="">
+              <a14:hiddenFill xmlns="" xmlns:a14="http://schemas.microsoft.com/office/drawing/2010/main">
                 <a:solidFill>
                   <a:srgbClr val="FFFFFF"/>
                 </a:solidFill>
@@ -6155,33 +5939,9 @@
           <a:lstStyle/>
           <a:p>
             <a:r>
-              <a:rPr lang="en-US" smtClean="0"/>
-              <a:t>© 2015 EV3Lessons.com, Last edit 4/9/2015</a:t>
-            </a:r>
-            <a:endParaRPr lang="en-US" dirty="0"/>
-          </a:p>
-        </p:txBody>
-      </p:sp>
-      <p:sp>
-        <p:nvSpPr>
-          <p:cNvPr id="11" name="Slide Number Placeholder 10"/>
-          <p:cNvSpPr>
-            <a:spLocks noGrp="1"/>
-          </p:cNvSpPr>
-          <p:nvPr>
-            <p:ph type="sldNum" sz="quarter" idx="12"/>
-          </p:nvPr>
-        </p:nvSpPr>
-        <p:spPr/>
-        <p:txBody>
-          <a:bodyPr/>
-          <a:lstStyle/>
-          <a:p>
-            <a:fld id="{D57F1E4F-1CFF-5643-939E-217C01CDF565}" type="slidenum">
-              <a:rPr lang="en-US" smtClean="0"/>
-              <a:pPr/>
-              <a:t>2</a:t>
-            </a:fld>
+              <a:rPr lang="sk-SK" smtClean="0"/>
+              <a:t>© 2016 EV3Lessons.com, Last edit 7/19/2016</a:t>
+            </a:r>
             <a:endParaRPr lang="en-US" dirty="0"/>
           </a:p>
         </p:txBody>
@@ -6287,7 +6047,6 @@
               <a:rPr lang="en-US" sz="2000" dirty="0" smtClean="0"/>
               <a:t>Need to synchronize the beams to make sure that blocks execute when you expect them to</a:t>
             </a:r>
-            <a:endParaRPr lang="en-US" sz="2000" dirty="0" smtClean="0"/>
           </a:p>
         </p:txBody>
       </p:sp>
@@ -6307,33 +6066,9 @@
           <a:lstStyle/>
           <a:p>
             <a:r>
-              <a:rPr lang="en-US" smtClean="0"/>
-              <a:t>© 2015 EV3Lessons.com, Last edit 4/9/2015</a:t>
-            </a:r>
-            <a:endParaRPr lang="en-US" dirty="0"/>
-          </a:p>
-        </p:txBody>
-      </p:sp>
-      <p:sp>
-        <p:nvSpPr>
-          <p:cNvPr id="11" name="Slide Number Placeholder 10"/>
-          <p:cNvSpPr>
-            <a:spLocks noGrp="1"/>
-          </p:cNvSpPr>
-          <p:nvPr>
-            <p:ph type="sldNum" sz="quarter" idx="12"/>
-          </p:nvPr>
-        </p:nvSpPr>
-        <p:spPr/>
-        <p:txBody>
-          <a:bodyPr/>
-          <a:lstStyle/>
-          <a:p>
-            <a:fld id="{D57F1E4F-1CFF-5643-939E-217C01CDF565}" type="slidenum">
-              <a:rPr lang="en-US" smtClean="0"/>
-              <a:pPr/>
-              <a:t>3</a:t>
-            </a:fld>
+              <a:rPr lang="sk-SK" smtClean="0"/>
+              <a:t>© 2016 EV3Lessons.com, Last edit 7/19/2016</a:t>
+            </a:r>
             <a:endParaRPr lang="en-US" dirty="0"/>
           </a:p>
         </p:txBody>
@@ -7048,33 +6783,9 @@
           <a:lstStyle/>
           <a:p>
             <a:r>
-              <a:rPr lang="en-US" smtClean="0"/>
-              <a:t>© 2015 EV3Lessons.com, Last edit 4/9/2015</a:t>
-            </a:r>
-            <a:endParaRPr lang="en-US" dirty="0"/>
-          </a:p>
-        </p:txBody>
-      </p:sp>
-      <p:sp>
-        <p:nvSpPr>
-          <p:cNvPr id="6" name="Slide Number Placeholder 5"/>
-          <p:cNvSpPr>
-            <a:spLocks noGrp="1"/>
-          </p:cNvSpPr>
-          <p:nvPr>
-            <p:ph type="sldNum" sz="quarter" idx="12"/>
-          </p:nvPr>
-        </p:nvSpPr>
-        <p:spPr/>
-        <p:txBody>
-          <a:bodyPr/>
-          <a:lstStyle/>
-          <a:p>
-            <a:fld id="{D57F1E4F-1CFF-5643-939E-217C01CDF565}" type="slidenum">
-              <a:rPr lang="en-US" smtClean="0"/>
-              <a:pPr/>
-              <a:t>4</a:t>
-            </a:fld>
+              <a:rPr lang="sk-SK" smtClean="0"/>
+              <a:t>© 2016 EV3Lessons.com, Last edit 7/19/2016</a:t>
+            </a:r>
             <a:endParaRPr lang="en-US" dirty="0"/>
           </a:p>
         </p:txBody>
@@ -7208,33 +6919,9 @@
           <a:lstStyle/>
           <a:p>
             <a:r>
-              <a:rPr lang="en-US" smtClean="0"/>
-              <a:t>© 2015 EV3Lessons.com, Last edit 4/9/2015</a:t>
-            </a:r>
-            <a:endParaRPr lang="en-US" dirty="0"/>
-          </a:p>
-        </p:txBody>
-      </p:sp>
-      <p:sp>
-        <p:nvSpPr>
-          <p:cNvPr id="6" name="Slide Number Placeholder 5"/>
-          <p:cNvSpPr>
-            <a:spLocks noGrp="1"/>
-          </p:cNvSpPr>
-          <p:nvPr>
-            <p:ph type="sldNum" sz="quarter" idx="12"/>
-          </p:nvPr>
-        </p:nvSpPr>
-        <p:spPr/>
-        <p:txBody>
-          <a:bodyPr/>
-          <a:lstStyle/>
-          <a:p>
-            <a:fld id="{D57F1E4F-1CFF-5643-939E-217C01CDF565}" type="slidenum">
-              <a:rPr lang="en-US" smtClean="0"/>
-              <a:pPr/>
-              <a:t>5</a:t>
-            </a:fld>
+              <a:rPr lang="sk-SK" smtClean="0"/>
+              <a:t>© 2016 EV3Lessons.com, Last edit 7/19/2016</a:t>
+            </a:r>
             <a:endParaRPr lang="en-US" dirty="0"/>
           </a:p>
         </p:txBody>
@@ -7368,33 +7055,9 @@
           <a:lstStyle/>
           <a:p>
             <a:r>
-              <a:rPr lang="en-US" smtClean="0"/>
-              <a:t>© 2015 EV3Lessons.com, Last edit 4/9/2015</a:t>
-            </a:r>
-            <a:endParaRPr lang="en-US" dirty="0"/>
-          </a:p>
-        </p:txBody>
-      </p:sp>
-      <p:sp>
-        <p:nvSpPr>
-          <p:cNvPr id="6" name="Slide Number Placeholder 5"/>
-          <p:cNvSpPr>
-            <a:spLocks noGrp="1"/>
-          </p:cNvSpPr>
-          <p:nvPr>
-            <p:ph type="sldNum" sz="quarter" idx="12"/>
-          </p:nvPr>
-        </p:nvSpPr>
-        <p:spPr/>
-        <p:txBody>
-          <a:bodyPr/>
-          <a:lstStyle/>
-          <a:p>
-            <a:fld id="{D57F1E4F-1CFF-5643-939E-217C01CDF565}" type="slidenum">
-              <a:rPr lang="en-US" smtClean="0"/>
-              <a:pPr/>
-              <a:t>6</a:t>
-            </a:fld>
+              <a:rPr lang="sk-SK" smtClean="0"/>
+              <a:t>© 2016 EV3Lessons.com, Last edit 7/19/2016</a:t>
+            </a:r>
             <a:endParaRPr lang="en-US" dirty="0"/>
           </a:p>
         </p:txBody>
@@ -7528,33 +7191,9 @@
           <a:lstStyle/>
           <a:p>
             <a:r>
-              <a:rPr lang="en-US" smtClean="0"/>
-              <a:t>© 2015 EV3Lessons.com, Last edit 4/9/2015</a:t>
-            </a:r>
-            <a:endParaRPr lang="en-US" dirty="0"/>
-          </a:p>
-        </p:txBody>
-      </p:sp>
-      <p:sp>
-        <p:nvSpPr>
-          <p:cNvPr id="6" name="Slide Number Placeholder 5"/>
-          <p:cNvSpPr>
-            <a:spLocks noGrp="1"/>
-          </p:cNvSpPr>
-          <p:nvPr>
-            <p:ph type="sldNum" sz="quarter" idx="12"/>
-          </p:nvPr>
-        </p:nvSpPr>
-        <p:spPr/>
-        <p:txBody>
-          <a:bodyPr/>
-          <a:lstStyle/>
-          <a:p>
-            <a:fld id="{D57F1E4F-1CFF-5643-939E-217C01CDF565}" type="slidenum">
-              <a:rPr lang="en-US" smtClean="0"/>
-              <a:pPr/>
-              <a:t>7</a:t>
-            </a:fld>
+              <a:rPr lang="sk-SK" smtClean="0"/>
+              <a:t>© 2016 EV3Lessons.com, Last edit 7/19/2016</a:t>
+            </a:r>
             <a:endParaRPr lang="en-US" dirty="0"/>
           </a:p>
         </p:txBody>
@@ -7665,33 +7304,9 @@
           <a:lstStyle/>
           <a:p>
             <a:r>
-              <a:rPr lang="en-US" smtClean="0"/>
-              <a:t>© 2015 EV3Lessons.com, Last edit 4/9/2015</a:t>
-            </a:r>
-            <a:endParaRPr lang="en-US" dirty="0"/>
-          </a:p>
-        </p:txBody>
-      </p:sp>
-      <p:sp>
-        <p:nvSpPr>
-          <p:cNvPr id="3" name="Slide Number Placeholder 2"/>
-          <p:cNvSpPr>
-            <a:spLocks noGrp="1"/>
-          </p:cNvSpPr>
-          <p:nvPr>
-            <p:ph type="sldNum" sz="quarter" idx="12"/>
-          </p:nvPr>
-        </p:nvSpPr>
-        <p:spPr/>
-        <p:txBody>
-          <a:bodyPr/>
-          <a:lstStyle/>
-          <a:p>
-            <a:fld id="{D57F1E4F-1CFF-5643-939E-217C01CDF565}" type="slidenum">
-              <a:rPr lang="en-US" smtClean="0"/>
-              <a:pPr/>
-              <a:t>8</a:t>
-            </a:fld>
+              <a:rPr lang="sk-SK" smtClean="0"/>
+              <a:t>© 2016 EV3Lessons.com, Last edit 7/19/2016</a:t>
+            </a:r>
             <a:endParaRPr lang="en-US" dirty="0"/>
           </a:p>
         </p:txBody>
@@ -8037,7 +7652,6 @@
               <a:rPr lang="en-US" dirty="0" smtClean="0"/>
               <a:t>Otherwise, the robot will not be straight on a line</a:t>
             </a:r>
-            <a:endParaRPr lang="en-US" dirty="0" smtClean="0"/>
           </a:p>
         </p:txBody>
       </p:sp>
@@ -8057,33 +7671,9 @@
           <a:lstStyle/>
           <a:p>
             <a:r>
-              <a:rPr lang="en-US" smtClean="0"/>
-              <a:t>© 2015 EV3Lessons.com, Last edit 4/9/2015</a:t>
-            </a:r>
-            <a:endParaRPr lang="en-US" dirty="0"/>
-          </a:p>
-        </p:txBody>
-      </p:sp>
-      <p:sp>
-        <p:nvSpPr>
-          <p:cNvPr id="7" name="Slide Number Placeholder 6"/>
-          <p:cNvSpPr>
-            <a:spLocks noGrp="1"/>
-          </p:cNvSpPr>
-          <p:nvPr>
-            <p:ph type="sldNum" sz="quarter" idx="12"/>
-          </p:nvPr>
-        </p:nvSpPr>
-        <p:spPr/>
-        <p:txBody>
-          <a:bodyPr/>
-          <a:lstStyle/>
-          <a:p>
-            <a:fld id="{D57F1E4F-1CFF-5643-939E-217C01CDF565}" type="slidenum">
-              <a:rPr lang="en-US" smtClean="0"/>
-              <a:pPr/>
-              <a:t>9</a:t>
-            </a:fld>
+              <a:rPr lang="sk-SK" smtClean="0"/>
+              <a:t>© 2016 EV3Lessons.com, Last edit 7/19/2016</a:t>
+            </a:r>
             <a:endParaRPr lang="en-US" dirty="0"/>
           </a:p>
         </p:txBody>
